--- a/ppt_1.1.pptx
+++ b/ppt_1.1.pptx
@@ -4919,7 +4919,15 @@
                 <a:pPr lvl="1"/>
                 <a:r>
                   <a:rPr lang="en-IN" sz="2000" dirty="0"/>
-                  <a:t>Similar to AIC, but applies stronger penalty to the complexity ( no. of model parameters).</a:t>
+                  <a:t>Similar to AIC, but applies </a:t>
+                </a:r>
+                <a:r>
+                  <a:rPr lang="en-IN" sz="2000" b="1" dirty="0"/>
+                  <a:t>stronger penalty </a:t>
+                </a:r>
+                <a:r>
+                  <a:rPr lang="en-IN" sz="2000" dirty="0"/>
+                  <a:t>to the complexity ( no. of model parameters).</a:t>
                 </a:r>
               </a:p>
               <a:p>
@@ -5062,7 +5070,7 @@
               <a:blipFill>
                 <a:blip r:embed="rId2"/>
                 <a:stretch>
-                  <a:fillRect l="-812" t="-1675" r="-174"/>
+                  <a:fillRect l="-812" t="-1675"/>
                 </a:stretch>
               </a:blipFill>
             </p:spPr>
@@ -5735,6 +5743,55 @@
           </a:p>
         </p:txBody>
       </p:sp>
+      <p:sp>
+        <p:nvSpPr>
+          <p:cNvPr id="15" name="TextBox 14">
+            <a:extLst>
+              <a:ext uri="{FF2B5EF4-FFF2-40B4-BE49-F238E27FC236}">
+                <a16:creationId xmlns:a16="http://schemas.microsoft.com/office/drawing/2014/main" id="{77FB12BB-B7F2-603B-7B30-BE41387CDBEA}"/>
+              </a:ext>
+            </a:extLst>
+          </p:cNvPr>
+          <p:cNvSpPr txBox="1"/>
+          <p:nvPr/>
+        </p:nvSpPr>
+        <p:spPr>
+          <a:xfrm>
+            <a:off x="457200" y="5438274"/>
+            <a:ext cx="10828421" cy="923330"/>
+          </a:xfrm>
+          <a:prstGeom prst="rect">
+            <a:avLst/>
+          </a:prstGeom>
+          <a:noFill/>
+        </p:spPr>
+        <p:txBody>
+          <a:bodyPr wrap="square" rtlCol="0">
+            <a:spAutoFit/>
+          </a:bodyPr>
+          <a:lstStyle/>
+          <a:p>
+            <a:pPr marL="285750" indent="-285750">
+              <a:buFont typeface="Arial" panose="020B0604020202020204" pitchFamily="34" charset="0"/>
+              <a:buChar char="•"/>
+            </a:pPr>
+            <a:r>
+              <a:rPr lang="en-IN" dirty="0"/>
+              <a:t>The chart depicts the upward growth of stock prices, with some patches of downward movement in between.</a:t>
+            </a:r>
+          </a:p>
+          <a:p>
+            <a:pPr marL="285750" indent="-285750">
+              <a:buFont typeface="Arial" panose="020B0604020202020204" pitchFamily="34" charset="0"/>
+              <a:buChar char="•"/>
+            </a:pPr>
+            <a:r>
+              <a:rPr lang="en-IN" dirty="0"/>
+              <a:t>The box plot shows the lack of any outliers in the data.</a:t>
+            </a:r>
+          </a:p>
+        </p:txBody>
+      </p:sp>
     </p:spTree>
     <p:extLst>
       <p:ext uri="{BB962C8B-B14F-4D97-AF65-F5344CB8AC3E}">
@@ -6579,10 +6636,10 @@
           <a:p>
             <a:pPr algn="ctr"/>
             <a:r>
-              <a:rPr lang="en-US" b="1"/>
+              <a:rPr lang="en-US" b="1" dirty="0"/>
               <a:t>Introduction</a:t>
             </a:r>
-            <a:endParaRPr lang="en-IN" b="1"/>
+            <a:endParaRPr lang="en-IN" b="1" dirty="0"/>
           </a:p>
         </p:txBody>
       </p:sp>
@@ -6613,14 +6670,14 @@
           <a:lstStyle/>
           <a:p>
             <a:r>
-              <a:rPr lang="en-IN" b="1"/>
+              <a:rPr lang="en-IN" b="1" dirty="0"/>
               <a:t>Why Stock Prices Defy Simple Forecasting?</a:t>
             </a:r>
           </a:p>
           <a:p>
             <a:pPr lvl="1"/>
             <a:r>
-              <a:rPr lang="en-IN"/>
+              <a:rPr lang="en-IN" sz="2000" dirty="0"/>
               <a:t>Financial markets are complex adaptive systems shaped by</a:t>
             </a:r>
           </a:p>
@@ -6630,7 +6687,7 @@
               <a:buChar char="Ø"/>
             </a:pPr>
             <a:r>
-              <a:rPr lang="en-IN"/>
+              <a:rPr lang="en-IN" dirty="0"/>
               <a:t>Market Psychology</a:t>
             </a:r>
           </a:p>
@@ -6640,7 +6697,7 @@
               <a:buChar char="Ø"/>
             </a:pPr>
             <a:r>
-              <a:rPr lang="en-IN"/>
+              <a:rPr lang="en-IN" dirty="0"/>
               <a:t>Macroeconomic Shocks</a:t>
             </a:r>
           </a:p>
@@ -6650,14 +6707,14 @@
               <a:buChar char="Ø"/>
             </a:pPr>
             <a:r>
-              <a:rPr lang="en-IN"/>
+              <a:rPr lang="en-IN" dirty="0"/>
               <a:t>Microstructural Noise.</a:t>
             </a:r>
           </a:p>
           <a:p>
             <a:pPr lvl="1"/>
             <a:r>
-              <a:rPr lang="en-IN"/>
+              <a:rPr lang="en-IN" sz="2000" dirty="0"/>
               <a:t>Traditional methods, such as ARIMA, don’t capture the complex patterns of the series. </a:t>
             </a:r>
           </a:p>
@@ -6666,13 +6723,13 @@
               <a:buFont typeface="Wingdings" panose="05000000000000000000" pitchFamily="2" charset="2"/>
               <a:buChar char="Ø"/>
             </a:pPr>
-            <a:endParaRPr lang="en-IN"/>
+            <a:endParaRPr lang="en-IN" dirty="0"/>
           </a:p>
           <a:p>
             <a:pPr marL="914400" lvl="2" indent="0">
               <a:buNone/>
             </a:pPr>
-            <a:endParaRPr lang="en-IN"/>
+            <a:endParaRPr lang="en-IN" dirty="0"/>
           </a:p>
         </p:txBody>
       </p:sp>
@@ -6703,34 +6760,34 @@
           <a:lstStyle/>
           <a:p>
             <a:r>
-              <a:rPr lang="en-IN" b="1"/>
+              <a:rPr lang="en-IN" b="1" dirty="0"/>
               <a:t>The Hybrid Advantage</a:t>
             </a:r>
           </a:p>
           <a:p>
             <a:pPr lvl="1"/>
             <a:r>
-              <a:rPr lang="en-IN"/>
+              <a:rPr lang="en-IN" sz="2000" dirty="0"/>
               <a:t>With the combination of the traditional methods and the deep learning methods, we can create a model that forecasts better than either one, without the danger of overfitting.</a:t>
             </a:r>
           </a:p>
           <a:p>
             <a:pPr lvl="1"/>
             <a:r>
-              <a:rPr lang="en-IN"/>
+              <a:rPr lang="en-IN" dirty="0"/>
               <a:t>Real World Impact:-</a:t>
             </a:r>
           </a:p>
           <a:p>
             <a:pPr lvl="2"/>
             <a:r>
-              <a:rPr lang="en-IN"/>
+              <a:rPr lang="en-IN" dirty="0"/>
               <a:t>Many hedge fund management firms employ the hybrid method.</a:t>
             </a:r>
           </a:p>
           <a:p>
             <a:pPr lvl="1"/>
-            <a:endParaRPr lang="en-IN"/>
+            <a:endParaRPr lang="en-IN" dirty="0"/>
           </a:p>
         </p:txBody>
       </p:sp>
@@ -8051,33 +8108,33 @@
                     <m:sSubSup>
                       <m:sSubSupPr>
                         <m:ctrlPr>
-                          <a:rPr lang="en-IN" sz="2000" b="0" i="1" smtClean="0">
+                          <a:rPr lang="en-IN" sz="2000" b="1" i="1" smtClean="0">
                             <a:latin typeface="Cambria Math" panose="02040503050406030204" pitchFamily="18" charset="0"/>
                           </a:rPr>
                         </m:ctrlPr>
                       </m:sSubSupPr>
                       <m:e>
                         <m:r>
-                          <a:rPr lang="en-IN" sz="2000" b="0" i="1" smtClean="0">
+                          <a:rPr lang="en-IN" sz="2000" b="1" i="1" smtClean="0">
                             <a:latin typeface="Cambria Math" panose="02040503050406030204" pitchFamily="18" charset="0"/>
                           </a:rPr>
-                          <m:t>𝜒</m:t>
+                          <m:t>𝝌</m:t>
                         </m:r>
                       </m:e>
                       <m:sub>
                         <m:r>
-                          <a:rPr lang="en-IN" sz="2000" b="0" i="1" smtClean="0">
+                          <a:rPr lang="en-IN" sz="2000" b="1" i="1" smtClean="0">
                             <a:latin typeface="Cambria Math" panose="02040503050406030204" pitchFamily="18" charset="0"/>
                           </a:rPr>
-                          <m:t>h</m:t>
+                          <m:t>𝒉</m:t>
                         </m:r>
                       </m:sub>
                       <m:sup>
                         <m:r>
-                          <a:rPr lang="en-IN" sz="2000" b="0" i="1" smtClean="0">
+                          <a:rPr lang="en-IN" sz="2000" b="1" i="1" smtClean="0">
                             <a:latin typeface="Cambria Math" panose="02040503050406030204" pitchFamily="18" charset="0"/>
                           </a:rPr>
-                          <m:t>2</m:t>
+                          <m:t>𝟐</m:t>
                         </m:r>
                       </m:sup>
                     </m:sSubSup>

--- a/ppt_1.1.pptx
+++ b/ppt_1.1.pptx
@@ -22,10 +22,11 @@
     <p:sldId id="279" r:id="rId16"/>
     <p:sldId id="264" r:id="rId17"/>
     <p:sldId id="274" r:id="rId18"/>
-    <p:sldId id="266" r:id="rId19"/>
-    <p:sldId id="265" r:id="rId20"/>
-    <p:sldId id="267" r:id="rId21"/>
-    <p:sldId id="268" r:id="rId22"/>
+    <p:sldId id="280" r:id="rId19"/>
+    <p:sldId id="266" r:id="rId20"/>
+    <p:sldId id="265" r:id="rId21"/>
+    <p:sldId id="267" r:id="rId22"/>
+    <p:sldId id="268" r:id="rId23"/>
   </p:sldIdLst>
   <p:sldSz cx="12192000" cy="6858000"/>
   <p:notesSz cx="6858000" cy="9144000"/>
@@ -5852,31 +5853,289 @@
           </a:p>
         </p:txBody>
       </p:sp>
-      <p:sp>
-        <p:nvSpPr>
-          <p:cNvPr id="3" name="Content Placeholder 2">
-            <a:extLst>
-              <a:ext uri="{FF2B5EF4-FFF2-40B4-BE49-F238E27FC236}">
-                <a16:creationId xmlns:a16="http://schemas.microsoft.com/office/drawing/2014/main" id="{DB199D36-E219-651F-1AA2-3047AF613489}"/>
-              </a:ext>
-            </a:extLst>
-          </p:cNvPr>
-          <p:cNvSpPr>
-            <a:spLocks noGrp="1"/>
-          </p:cNvSpPr>
-          <p:nvPr>
-            <p:ph idx="1"/>
-          </p:nvPr>
-        </p:nvSpPr>
-        <p:spPr/>
-        <p:txBody>
-          <a:bodyPr/>
-          <a:lstStyle/>
-          <a:p>
-            <a:endParaRPr lang="en-IN" dirty="0"/>
-          </a:p>
-        </p:txBody>
-      </p:sp>
+      <mc:AlternateContent xmlns:mc="http://schemas.openxmlformats.org/markup-compatibility/2006">
+        <mc:Choice xmlns:a14="http://schemas.microsoft.com/office/drawing/2010/main" Requires="a14">
+          <p:sp>
+            <p:nvSpPr>
+              <p:cNvPr id="3" name="Content Placeholder 2">
+                <a:extLst>
+                  <a:ext uri="{FF2B5EF4-FFF2-40B4-BE49-F238E27FC236}">
+                    <a16:creationId xmlns:a16="http://schemas.microsoft.com/office/drawing/2014/main" id="{DB199D36-E219-651F-1AA2-3047AF613489}"/>
+                  </a:ext>
+                </a:extLst>
+              </p:cNvPr>
+              <p:cNvSpPr>
+                <a:spLocks noGrp="1"/>
+              </p:cNvSpPr>
+              <p:nvPr>
+                <p:ph idx="1"/>
+              </p:nvPr>
+            </p:nvSpPr>
+            <p:spPr>
+              <a:xfrm>
+                <a:off x="838200" y="1825625"/>
+                <a:ext cx="10515600" cy="4667250"/>
+              </a:xfrm>
+            </p:spPr>
+            <p:txBody>
+              <a:bodyPr/>
+              <a:lstStyle/>
+              <a:p>
+                <a:r>
+                  <a:rPr lang="en-IN" b="1" dirty="0"/>
+                  <a:t>Results of ADF test:</a:t>
+                </a:r>
+              </a:p>
+              <a:p>
+                <a:pPr marL="457200" lvl="1" indent="0">
+                  <a:buNone/>
+                </a:pPr>
+                <a:endParaRPr lang="en-IN" dirty="0"/>
+              </a:p>
+              <a:p>
+                <a:pPr marL="457200" lvl="1" indent="0">
+                  <a:buNone/>
+                </a:pPr>
+                <a:endParaRPr lang="en-IN" dirty="0"/>
+              </a:p>
+              <a:p>
+                <a:pPr marL="457200" lvl="1" indent="0">
+                  <a:buNone/>
+                </a:pPr>
+                <a:endParaRPr lang="en-IN" dirty="0"/>
+              </a:p>
+              <a:p>
+                <a:pPr marL="457200" lvl="1" indent="0">
+                  <a:buNone/>
+                </a:pPr>
+                <a:endParaRPr lang="en-IN" dirty="0"/>
+              </a:p>
+              <a:p>
+                <a:pPr marL="457200" lvl="1" indent="0">
+                  <a:buNone/>
+                </a:pPr>
+                <a:endParaRPr lang="en-IN" dirty="0"/>
+              </a:p>
+              <a:p>
+                <a:pPr lvl="1"/>
+                <a:r>
+                  <a:rPr lang="en-IN" sz="2000" dirty="0"/>
+                  <a:t>Augmented Dicky-fuller test is applied on the series. The results are above.</a:t>
+                </a:r>
+              </a:p>
+              <a:p>
+                <a:pPr lvl="1"/>
+                <a:r>
+                  <a:rPr lang="en-IN" sz="2000" dirty="0"/>
+                  <a:t>The ADF test results clearly show that the stock prices are </a:t>
+                </a:r>
+                <a:r>
+                  <a:rPr lang="en-IN" sz="2000" b="1" dirty="0"/>
+                  <a:t>not stationary </a:t>
+                </a:r>
+                <a:r>
+                  <a:rPr lang="en-IN" sz="2000" dirty="0"/>
+                  <a:t>at the </a:t>
+                </a:r>
+                <a:r>
+                  <a:rPr lang="en-IN" sz="2000" b="1" dirty="0"/>
+                  <a:t>level</a:t>
+                </a:r>
+                <a:r>
+                  <a:rPr lang="en-IN" sz="2000" dirty="0"/>
+                  <a:t>. </a:t>
+                </a:r>
+              </a:p>
+              <a:p>
+                <a:pPr lvl="1"/>
+                <a:r>
+                  <a:rPr lang="en-IN" sz="2000" dirty="0"/>
+                  <a:t>Upon further examination, we find that the </a:t>
+                </a:r>
+                <a:r>
+                  <a:rPr lang="en-IN" sz="2000" b="1" dirty="0"/>
+                  <a:t>first differenced series is stationary.</a:t>
+                </a:r>
+              </a:p>
+              <a:p>
+                <a:pPr lvl="1"/>
+                <a:r>
+                  <a:rPr lang="en-IN" sz="2000" dirty="0"/>
+                  <a:t>The AIC (Akaike Information Criterion) is used to select the optimal lag length, which is </a:t>
+                </a:r>
+                <a:r>
+                  <a:rPr lang="en-IN" sz="2000" b="1" dirty="0"/>
+                  <a:t>1</a:t>
+                </a:r>
+                <a:r>
+                  <a:rPr lang="en-IN" sz="2000" dirty="0"/>
+                  <a:t> in the case of 1</a:t>
+                </a:r>
+                <a:r>
+                  <a:rPr lang="en-IN" sz="2000" baseline="30000" dirty="0"/>
+                  <a:t>st</a:t>
+                </a:r>
+                <a:r>
+                  <a:rPr lang="en-IN" sz="2000" dirty="0"/>
+                  <a:t> difference and </a:t>
+                </a:r>
+                <a:r>
+                  <a:rPr lang="en-IN" sz="2000" b="1" dirty="0"/>
+                  <a:t>2</a:t>
+                </a:r>
+                <a:r>
+                  <a:rPr lang="en-IN" sz="2000" dirty="0"/>
+                  <a:t> at the level.</a:t>
+                </a:r>
+              </a:p>
+              <a:p>
+                <a:pPr lvl="1"/>
+                <a:r>
+                  <a:rPr lang="en-IN" sz="2000" dirty="0"/>
+                  <a:t>This depicts that the parameter </a:t>
+                </a:r>
+                <a14:m>
+                  <m:oMath xmlns:m="http://schemas.openxmlformats.org/officeDocument/2006/math">
+                    <m:r>
+                      <a:rPr lang="en-IN" sz="2000" b="1" i="1" smtClean="0">
+                        <a:latin typeface="Cambria Math" panose="02040503050406030204" pitchFamily="18" charset="0"/>
+                      </a:rPr>
+                      <m:t>𝒅</m:t>
+                    </m:r>
+                  </m:oMath>
+                </a14:m>
+                <a:r>
+                  <a:rPr lang="en-IN" sz="2000" dirty="0"/>
+                  <a:t> in ARIMA should be </a:t>
+                </a:r>
+                <a:r>
+                  <a:rPr lang="en-IN" sz="2000" b="1" dirty="0"/>
+                  <a:t>1.</a:t>
+                </a:r>
+              </a:p>
+              <a:p>
+                <a:pPr lvl="1"/>
+                <a:endParaRPr lang="en-IN" sz="2000" dirty="0"/>
+              </a:p>
+            </p:txBody>
+          </p:sp>
+        </mc:Choice>
+        <mc:Fallback>
+          <p:sp>
+            <p:nvSpPr>
+              <p:cNvPr id="3" name="Content Placeholder 2">
+                <a:extLst>
+                  <a:ext uri="{FF2B5EF4-FFF2-40B4-BE49-F238E27FC236}">
+                    <a16:creationId xmlns:a16="http://schemas.microsoft.com/office/drawing/2014/main" id="{DB199D36-E219-651F-1AA2-3047AF613489}"/>
+                  </a:ext>
+                </a:extLst>
+              </p:cNvPr>
+              <p:cNvSpPr>
+                <a:spLocks noGrp="1" noRot="1" noChangeAspect="1" noMove="1" noResize="1" noEditPoints="1" noAdjustHandles="1" noChangeArrowheads="1" noChangeShapeType="1" noTextEdit="1"/>
+              </p:cNvSpPr>
+              <p:nvPr>
+                <p:ph idx="1"/>
+              </p:nvPr>
+            </p:nvSpPr>
+            <p:spPr>
+              <a:xfrm>
+                <a:off x="838200" y="1825625"/>
+                <a:ext cx="10515600" cy="4667250"/>
+              </a:xfrm>
+              <a:blipFill>
+                <a:blip r:embed="rId2"/>
+                <a:stretch>
+                  <a:fillRect l="-1043" t="-2219"/>
+                </a:stretch>
+              </a:blipFill>
+            </p:spPr>
+            <p:txBody>
+              <a:bodyPr/>
+              <a:lstStyle/>
+              <a:p>
+                <a:r>
+                  <a:rPr lang="en-IN">
+                    <a:noFill/>
+                  </a:rPr>
+                  <a:t> </a:t>
+                </a:r>
+              </a:p>
+            </p:txBody>
+          </p:sp>
+        </mc:Fallback>
+      </mc:AlternateContent>
+      <p:pic>
+        <p:nvPicPr>
+          <p:cNvPr id="5" name="Picture 4" descr="A white background with black text&#10;&#10;AI-generated content may be incorrect.">
+            <a:extLst>
+              <a:ext uri="{FF2B5EF4-FFF2-40B4-BE49-F238E27FC236}">
+                <a16:creationId xmlns:a16="http://schemas.microsoft.com/office/drawing/2014/main" id="{20F0E8BE-F775-F988-57CB-ED63382F40E5}"/>
+              </a:ext>
+            </a:extLst>
+          </p:cNvPr>
+          <p:cNvPicPr>
+            <a:picLocks noChangeAspect="1"/>
+          </p:cNvPicPr>
+          <p:nvPr/>
+        </p:nvPicPr>
+        <p:blipFill>
+          <a:blip r:embed="rId3">
+            <a:extLst>
+              <a:ext uri="{28A0092B-C50C-407E-A947-70E740481C1C}">
+                <a14:useLocalDpi xmlns:a14="http://schemas.microsoft.com/office/drawing/2010/main" val="0"/>
+              </a:ext>
+            </a:extLst>
+          </a:blip>
+          <a:stretch>
+            <a:fillRect/>
+          </a:stretch>
+        </p:blipFill>
+        <p:spPr>
+          <a:xfrm>
+            <a:off x="838200" y="2477081"/>
+            <a:ext cx="4296375" cy="1524213"/>
+          </a:xfrm>
+          <a:prstGeom prst="rect">
+            <a:avLst/>
+          </a:prstGeom>
+        </p:spPr>
+      </p:pic>
+      <p:pic>
+        <p:nvPicPr>
+          <p:cNvPr id="7" name="Picture 6" descr="A white background with black text">
+            <a:extLst>
+              <a:ext uri="{FF2B5EF4-FFF2-40B4-BE49-F238E27FC236}">
+                <a16:creationId xmlns:a16="http://schemas.microsoft.com/office/drawing/2014/main" id="{DF395A38-0D2A-6F9E-42A8-AC1A31FAA555}"/>
+              </a:ext>
+            </a:extLst>
+          </p:cNvPr>
+          <p:cNvPicPr>
+            <a:picLocks noChangeAspect="1"/>
+          </p:cNvPicPr>
+          <p:nvPr/>
+        </p:nvPicPr>
+        <p:blipFill>
+          <a:blip r:embed="rId4">
+            <a:extLst>
+              <a:ext uri="{28A0092B-C50C-407E-A947-70E740481C1C}">
+                <a14:useLocalDpi xmlns:a14="http://schemas.microsoft.com/office/drawing/2010/main" val="0"/>
+              </a:ext>
+            </a:extLst>
+          </a:blip>
+          <a:stretch>
+            <a:fillRect/>
+          </a:stretch>
+        </p:blipFill>
+        <p:spPr>
+          <a:xfrm>
+            <a:off x="5802654" y="2539744"/>
+            <a:ext cx="4677428" cy="1533739"/>
+          </a:xfrm>
+          <a:prstGeom prst="rect">
+            <a:avLst/>
+          </a:prstGeom>
+        </p:spPr>
+      </p:pic>
     </p:spTree>
     <p:extLst>
       <p:ext uri="{BB962C8B-B14F-4D97-AF65-F5344CB8AC3E}">
@@ -5923,40 +6182,296 @@
             <p:ph type="title"/>
           </p:nvPr>
         </p:nvSpPr>
-        <p:spPr/>
+        <p:spPr>
+          <a:xfrm>
+            <a:off x="838200" y="365125"/>
+            <a:ext cx="10515600" cy="946317"/>
+          </a:xfrm>
+        </p:spPr>
         <p:txBody>
           <a:bodyPr/>
           <a:lstStyle/>
           <a:p>
-            <a:endParaRPr lang="en-US"/>
-          </a:p>
-        </p:txBody>
-      </p:sp>
-      <p:sp>
-        <p:nvSpPr>
-          <p:cNvPr id="3" name="Content Placeholder 2">
-            <a:extLst>
-              <a:ext uri="{FF2B5EF4-FFF2-40B4-BE49-F238E27FC236}">
-                <a16:creationId xmlns:a16="http://schemas.microsoft.com/office/drawing/2014/main" id="{30AC64AB-55C2-7659-87AA-15207C49B4E7}"/>
-              </a:ext>
-            </a:extLst>
-          </p:cNvPr>
-          <p:cNvSpPr>
-            <a:spLocks noGrp="1"/>
-          </p:cNvSpPr>
-          <p:nvPr>
-            <p:ph idx="1"/>
-          </p:nvPr>
-        </p:nvSpPr>
-        <p:spPr/>
-        <p:txBody>
-          <a:bodyPr/>
-          <a:lstStyle/>
-          <a:p>
-            <a:endParaRPr lang="en-US"/>
-          </a:p>
-        </p:txBody>
-      </p:sp>
+            <a:pPr algn="ctr"/>
+            <a:r>
+              <a:rPr lang="en-US" dirty="0"/>
+              <a:t>	ARIMA model results ( continued)</a:t>
+            </a:r>
+          </a:p>
+        </p:txBody>
+      </p:sp>
+      <mc:AlternateContent xmlns:mc="http://schemas.openxmlformats.org/markup-compatibility/2006">
+        <mc:Choice xmlns:a14="http://schemas.microsoft.com/office/drawing/2010/main" Requires="a14">
+          <p:sp>
+            <p:nvSpPr>
+              <p:cNvPr id="3" name="Content Placeholder 2">
+                <a:extLst>
+                  <a:ext uri="{FF2B5EF4-FFF2-40B4-BE49-F238E27FC236}">
+                    <a16:creationId xmlns:a16="http://schemas.microsoft.com/office/drawing/2014/main" id="{30AC64AB-55C2-7659-87AA-15207C49B4E7}"/>
+                  </a:ext>
+                </a:extLst>
+              </p:cNvPr>
+              <p:cNvSpPr>
+                <a:spLocks noGrp="1"/>
+              </p:cNvSpPr>
+              <p:nvPr>
+                <p:ph idx="1"/>
+              </p:nvPr>
+            </p:nvSpPr>
+            <p:spPr>
+              <a:xfrm>
+                <a:off x="838200" y="1395663"/>
+                <a:ext cx="5021179" cy="4523874"/>
+              </a:xfrm>
+            </p:spPr>
+            <p:txBody>
+              <a:bodyPr>
+                <a:normAutofit/>
+              </a:bodyPr>
+              <a:lstStyle/>
+              <a:p>
+                <a:r>
+                  <a:rPr lang="en-US" sz="2000" dirty="0"/>
+                  <a:t>Next, we explore the </a:t>
+                </a:r>
+                <a:r>
+                  <a:rPr lang="en-US" sz="2000" b="1" dirty="0"/>
+                  <a:t>ACF </a:t>
+                </a:r>
+                <a:r>
+                  <a:rPr lang="en-US" sz="2000" dirty="0"/>
+                  <a:t>and </a:t>
+                </a:r>
+                <a:r>
+                  <a:rPr lang="en-US" sz="2000" b="1" dirty="0"/>
+                  <a:t>PACF</a:t>
+                </a:r>
+                <a:r>
+                  <a:rPr lang="en-US" sz="2000" dirty="0"/>
+                  <a:t> plots. These are important as they help estimate the values of </a:t>
+                </a:r>
+                <a14:m>
+                  <m:oMath xmlns:m="http://schemas.openxmlformats.org/officeDocument/2006/math">
+                    <m:r>
+                      <a:rPr lang="en-US" sz="2000" b="1" i="1" dirty="0" smtClean="0">
+                        <a:latin typeface="Cambria Math" panose="02040503050406030204" pitchFamily="18" charset="0"/>
+                      </a:rPr>
+                      <m:t>𝒑</m:t>
+                    </m:r>
+                  </m:oMath>
+                </a14:m>
+                <a:r>
+                  <a:rPr lang="en-US" sz="2000" dirty="0"/>
+                  <a:t> and </a:t>
+                </a:r>
+                <a14:m>
+                  <m:oMath xmlns:m="http://schemas.openxmlformats.org/officeDocument/2006/math">
+                    <m:r>
+                      <a:rPr lang="en-US" sz="2000" b="1" i="1" dirty="0" smtClean="0">
+                        <a:latin typeface="Cambria Math" panose="02040503050406030204" pitchFamily="18" charset="0"/>
+                      </a:rPr>
+                      <m:t>𝒒</m:t>
+                    </m:r>
+                  </m:oMath>
+                </a14:m>
+                <a:r>
+                  <a:rPr lang="en-US" sz="2000" dirty="0"/>
+                  <a:t>.</a:t>
+                </a:r>
+              </a:p>
+              <a:p>
+                <a:r>
+                  <a:rPr lang="en-US" sz="2000" dirty="0"/>
+                  <a:t>Lags that show a sharp cutoff in the PACF plot (i.e., after a particular lag, subsequent lags are close to zero) are the probable estimates of </a:t>
+                </a:r>
+                <a14:m>
+                  <m:oMath xmlns:m="http://schemas.openxmlformats.org/officeDocument/2006/math">
+                    <m:r>
+                      <a:rPr lang="en-US" sz="2000" i="1" dirty="0" smtClean="0">
+                        <a:latin typeface="Cambria Math" panose="02040503050406030204" pitchFamily="18" charset="0"/>
+                      </a:rPr>
+                      <m:t>𝑝</m:t>
+                    </m:r>
+                  </m:oMath>
+                </a14:m>
+                <a:r>
+                  <a:rPr lang="en-US" sz="2000" dirty="0"/>
+                  <a:t> (number of lags in the AR part).</a:t>
+                </a:r>
+              </a:p>
+              <a:p>
+                <a:r>
+                  <a:rPr lang="en-US" sz="2000" dirty="0"/>
+                  <a:t> Similarly, the lag at which the ACF plot cuts off is the probable estimate of </a:t>
+                </a:r>
+                <a14:m>
+                  <m:oMath xmlns:m="http://schemas.openxmlformats.org/officeDocument/2006/math">
+                    <m:r>
+                      <a:rPr lang="en-US" sz="2000" i="1" dirty="0" smtClean="0">
+                        <a:latin typeface="Cambria Math" panose="02040503050406030204" pitchFamily="18" charset="0"/>
+                      </a:rPr>
+                      <m:t>𝑞</m:t>
+                    </m:r>
+                  </m:oMath>
+                </a14:m>
+                <a:r>
+                  <a:rPr lang="en-US" sz="2000" dirty="0"/>
+                  <a:t> (Moving Average part).</a:t>
+                </a:r>
+              </a:p>
+              <a:p>
+                <a:r>
+                  <a:rPr lang="en-US" sz="2000" dirty="0"/>
+                  <a:t>However, we still need to validate these </a:t>
+                </a:r>
+                <a14:m>
+                  <m:oMath xmlns:m="http://schemas.openxmlformats.org/officeDocument/2006/math">
+                    <m:r>
+                      <a:rPr lang="en-US" sz="2000" i="1" dirty="0" smtClean="0">
+                        <a:latin typeface="Cambria Math" panose="02040503050406030204" pitchFamily="18" charset="0"/>
+                      </a:rPr>
+                      <m:t>𝑝</m:t>
+                    </m:r>
+                  </m:oMath>
+                </a14:m>
+                <a:r>
+                  <a:rPr lang="en-US" sz="2000" dirty="0"/>
+                  <a:t> and </a:t>
+                </a:r>
+                <a14:m>
+                  <m:oMath xmlns:m="http://schemas.openxmlformats.org/officeDocument/2006/math">
+                    <m:r>
+                      <a:rPr lang="en-US" sz="2000" i="1" dirty="0" smtClean="0">
+                        <a:latin typeface="Cambria Math" panose="02040503050406030204" pitchFamily="18" charset="0"/>
+                      </a:rPr>
+                      <m:t>𝑞</m:t>
+                    </m:r>
+                  </m:oMath>
+                </a14:m>
+                <a:r>
+                  <a:rPr lang="en-US" sz="2000" dirty="0"/>
+                  <a:t> by using some information criterion explained beforehand.</a:t>
+                </a:r>
+              </a:p>
+            </p:txBody>
+          </p:sp>
+        </mc:Choice>
+        <mc:Fallback>
+          <p:sp>
+            <p:nvSpPr>
+              <p:cNvPr id="3" name="Content Placeholder 2">
+                <a:extLst>
+                  <a:ext uri="{FF2B5EF4-FFF2-40B4-BE49-F238E27FC236}">
+                    <a16:creationId xmlns:a16="http://schemas.microsoft.com/office/drawing/2014/main" id="{30AC64AB-55C2-7659-87AA-15207C49B4E7}"/>
+                  </a:ext>
+                </a:extLst>
+              </p:cNvPr>
+              <p:cNvSpPr>
+                <a:spLocks noGrp="1" noRot="1" noChangeAspect="1" noMove="1" noResize="1" noEditPoints="1" noAdjustHandles="1" noChangeArrowheads="1" noChangeShapeType="1" noTextEdit="1"/>
+              </p:cNvSpPr>
+              <p:nvPr>
+                <p:ph idx="1"/>
+              </p:nvPr>
+            </p:nvSpPr>
+            <p:spPr>
+              <a:xfrm>
+                <a:off x="838200" y="1395663"/>
+                <a:ext cx="5021179" cy="4523874"/>
+              </a:xfrm>
+              <a:blipFill>
+                <a:blip r:embed="rId2"/>
+                <a:stretch>
+                  <a:fillRect l="-1094" t="-1348" r="-2187"/>
+                </a:stretch>
+              </a:blipFill>
+            </p:spPr>
+            <p:txBody>
+              <a:bodyPr/>
+              <a:lstStyle/>
+              <a:p>
+                <a:r>
+                  <a:rPr lang="en-IN">
+                    <a:noFill/>
+                  </a:rPr>
+                  <a:t> </a:t>
+                </a:r>
+              </a:p>
+            </p:txBody>
+          </p:sp>
+        </mc:Fallback>
+      </mc:AlternateContent>
+      <p:pic>
+        <p:nvPicPr>
+          <p:cNvPr id="5" name="Picture 4" descr="A graph with blue dots and numbers&#10;&#10;AI-generated content may be incorrect.">
+            <a:extLst>
+              <a:ext uri="{FF2B5EF4-FFF2-40B4-BE49-F238E27FC236}">
+                <a16:creationId xmlns:a16="http://schemas.microsoft.com/office/drawing/2014/main" id="{A832B0AA-6535-E9CE-93AF-4151FE4705B4}"/>
+              </a:ext>
+            </a:extLst>
+          </p:cNvPr>
+          <p:cNvPicPr>
+            <a:picLocks noChangeAspect="1"/>
+          </p:cNvPicPr>
+          <p:nvPr/>
+        </p:nvPicPr>
+        <p:blipFill>
+          <a:blip r:embed="rId3">
+            <a:extLst>
+              <a:ext uri="{28A0092B-C50C-407E-A947-70E740481C1C}">
+                <a14:useLocalDpi xmlns:a14="http://schemas.microsoft.com/office/drawing/2010/main" val="0"/>
+              </a:ext>
+            </a:extLst>
+          </a:blip>
+          <a:stretch>
+            <a:fillRect/>
+          </a:stretch>
+        </p:blipFill>
+        <p:spPr>
+          <a:xfrm>
+            <a:off x="6549191" y="1206556"/>
+            <a:ext cx="4620126" cy="2555930"/>
+          </a:xfrm>
+          <a:prstGeom prst="rect">
+            <a:avLst/>
+          </a:prstGeom>
+        </p:spPr>
+      </p:pic>
+      <p:pic>
+        <p:nvPicPr>
+          <p:cNvPr id="7" name="Picture 6" descr="A graph with blue dots and numbers&#10;&#10;AI-generated content may be incorrect.">
+            <a:extLst>
+              <a:ext uri="{FF2B5EF4-FFF2-40B4-BE49-F238E27FC236}">
+                <a16:creationId xmlns:a16="http://schemas.microsoft.com/office/drawing/2014/main" id="{D31996EB-7A76-0725-8346-EC7A38F8C45B}"/>
+              </a:ext>
+            </a:extLst>
+          </p:cNvPr>
+          <p:cNvPicPr>
+            <a:picLocks noChangeAspect="1"/>
+          </p:cNvPicPr>
+          <p:nvPr/>
+        </p:nvPicPr>
+        <p:blipFill>
+          <a:blip r:embed="rId4">
+            <a:extLst>
+              <a:ext uri="{28A0092B-C50C-407E-A947-70E740481C1C}">
+                <a14:useLocalDpi xmlns:a14="http://schemas.microsoft.com/office/drawing/2010/main" val="0"/>
+              </a:ext>
+            </a:extLst>
+          </a:blip>
+          <a:stretch>
+            <a:fillRect/>
+          </a:stretch>
+        </p:blipFill>
+        <p:spPr>
+          <a:xfrm>
+            <a:off x="6641433" y="3850104"/>
+            <a:ext cx="4620126" cy="2363425"/>
+          </a:xfrm>
+          <a:prstGeom prst="rect">
+            <a:avLst/>
+          </a:prstGeom>
+        </p:spPr>
+      </p:pic>
     </p:spTree>
     <p:extLst>
       <p:ext uri="{BB962C8B-B14F-4D97-AF65-F5344CB8AC3E}">
@@ -5992,7 +6507,7 @@
           <p:cNvPr id="2" name="Title 1">
             <a:extLst>
               <a:ext uri="{FF2B5EF4-FFF2-40B4-BE49-F238E27FC236}">
-                <a16:creationId xmlns:a16="http://schemas.microsoft.com/office/drawing/2014/main" id="{9EBA7052-ACD6-418E-5DAD-8A7FE770D921}"/>
+                <a16:creationId xmlns:a16="http://schemas.microsoft.com/office/drawing/2014/main" id="{BBE69A76-4080-8DFC-0B3A-64FABCD698F3}"/>
               </a:ext>
             </a:extLst>
           </p:cNvPr>
@@ -6010,42 +6525,378 @@
           <a:p>
             <a:pPr algn="ctr"/>
             <a:r>
-              <a:rPr lang="en-US"/>
-              <a:t>Conclusions</a:t>
-            </a:r>
-            <a:endParaRPr lang="en-IN"/>
-          </a:p>
-        </p:txBody>
-      </p:sp>
-      <p:sp>
-        <p:nvSpPr>
-          <p:cNvPr id="3" name="Content Placeholder 2">
-            <a:extLst>
-              <a:ext uri="{FF2B5EF4-FFF2-40B4-BE49-F238E27FC236}">
-                <a16:creationId xmlns:a16="http://schemas.microsoft.com/office/drawing/2014/main" id="{0E513457-E9E5-1B74-DBE5-92AEE5AF9898}"/>
+              <a:rPr lang="en-IN" dirty="0"/>
+              <a:t>ARIMA results (continued)</a:t>
+            </a:r>
+          </a:p>
+        </p:txBody>
+      </p:sp>
+      <mc:AlternateContent xmlns:mc="http://schemas.openxmlformats.org/markup-compatibility/2006">
+        <mc:Choice xmlns:a14="http://schemas.microsoft.com/office/drawing/2010/main" Requires="a14">
+          <p:sp>
+            <p:nvSpPr>
+              <p:cNvPr id="3" name="Content Placeholder 2">
+                <a:extLst>
+                  <a:ext uri="{FF2B5EF4-FFF2-40B4-BE49-F238E27FC236}">
+                    <a16:creationId xmlns:a16="http://schemas.microsoft.com/office/drawing/2014/main" id="{FBF03DB8-E6B9-0826-69D2-D2561584A5CF}"/>
+                  </a:ext>
+                </a:extLst>
+              </p:cNvPr>
+              <p:cNvSpPr>
+                <a:spLocks noGrp="1"/>
+              </p:cNvSpPr>
+              <p:nvPr>
+                <p:ph idx="1"/>
+              </p:nvPr>
+            </p:nvSpPr>
+            <p:spPr>
+              <a:xfrm>
+                <a:off x="838200" y="1690688"/>
+                <a:ext cx="4720389" cy="4486275"/>
+              </a:xfrm>
+            </p:spPr>
+            <p:txBody>
+              <a:bodyPr>
+                <a:normAutofit/>
+              </a:bodyPr>
+              <a:lstStyle/>
+              <a:p>
+                <a:r>
+                  <a:rPr lang="en-US" sz="2000" dirty="0"/>
+                  <a:t>Based on the plots in the previous slide, the optimal values of </a:t>
+                </a:r>
+                <a14:m>
+                  <m:oMath xmlns:m="http://schemas.openxmlformats.org/officeDocument/2006/math">
+                    <m:r>
+                      <a:rPr lang="en-US" sz="2000" b="1" i="1" dirty="0" smtClean="0">
+                        <a:latin typeface="Cambria Math" panose="02040503050406030204" pitchFamily="18" charset="0"/>
+                      </a:rPr>
+                      <m:t>𝒑</m:t>
+                    </m:r>
+                  </m:oMath>
+                </a14:m>
+                <a:r>
+                  <a:rPr lang="en-US" sz="2000" dirty="0"/>
+                  <a:t> and </a:t>
+                </a:r>
+                <a14:m>
+                  <m:oMath xmlns:m="http://schemas.openxmlformats.org/officeDocument/2006/math">
+                    <m:r>
+                      <a:rPr lang="en-US" sz="2000" b="1" i="1" dirty="0" smtClean="0">
+                        <a:latin typeface="Cambria Math" panose="02040503050406030204" pitchFamily="18" charset="0"/>
+                      </a:rPr>
+                      <m:t>𝒒</m:t>
+                    </m:r>
+                  </m:oMath>
+                </a14:m>
+                <a:r>
+                  <a:rPr lang="en-US" sz="2000" dirty="0"/>
+                  <a:t> appear to be 2, as the correlation breaches the 0.05 level at lag 2.</a:t>
+                </a:r>
+              </a:p>
+              <a:p>
+                <a:r>
+                  <a:rPr lang="en-IN" sz="2000" dirty="0"/>
+                  <a:t>To confirm this, we use the Python package </a:t>
+                </a:r>
+                <a:r>
+                  <a:rPr lang="en-IN" sz="2000" b="1" dirty="0" err="1"/>
+                  <a:t>pmdarima</a:t>
+                </a:r>
+                <a:r>
+                  <a:rPr lang="en-IN" sz="2000" dirty="0"/>
+                  <a:t> for model selection.</a:t>
+                </a:r>
+              </a:p>
+              <a:p>
+                <a:r>
+                  <a:rPr lang="en-IN" sz="2000" dirty="0"/>
+                  <a:t>The rolling forecast method, along with the </a:t>
+                </a:r>
+                <a:r>
+                  <a:rPr lang="en-IN" sz="2000" b="1" dirty="0" err="1"/>
+                  <a:t>auto_arima</a:t>
+                </a:r>
+                <a:r>
+                  <a:rPr lang="en-IN" sz="2000" dirty="0"/>
+                  <a:t> function, is used to determine the optimal values of p and q based on the </a:t>
+                </a:r>
+                <a:r>
+                  <a:rPr lang="en-IN" sz="2000" b="1" dirty="0"/>
+                  <a:t>AIC/BIC </a:t>
+                </a:r>
+                <a:r>
+                  <a:rPr lang="en-IN" sz="2000" dirty="0"/>
+                  <a:t>criteria.</a:t>
+                </a:r>
+              </a:p>
+              <a:p>
+                <a:r>
+                  <a:rPr lang="en-IN" sz="2000" dirty="0"/>
+                  <a:t>Observing the results of the </a:t>
+                </a:r>
+                <a:r>
+                  <a:rPr lang="en-IN" sz="2000" b="1" dirty="0" err="1"/>
+                  <a:t>auto_arima</a:t>
+                </a:r>
+                <a:r>
+                  <a:rPr lang="en-IN" sz="2000" dirty="0"/>
+                  <a:t>, we find that the optimal value of </a:t>
+                </a:r>
+                <a14:m>
+                  <m:oMath xmlns:m="http://schemas.openxmlformats.org/officeDocument/2006/math">
+                    <m:r>
+                      <a:rPr lang="en-IN" sz="2000" b="0" i="1" smtClean="0">
+                        <a:latin typeface="Cambria Math" panose="02040503050406030204" pitchFamily="18" charset="0"/>
+                      </a:rPr>
+                      <m:t>𝑝</m:t>
+                    </m:r>
+                  </m:oMath>
+                </a14:m>
+                <a:r>
+                  <a:rPr lang="en-IN" sz="2000" dirty="0"/>
+                  <a:t> and </a:t>
+                </a:r>
+                <a14:m>
+                  <m:oMath xmlns:m="http://schemas.openxmlformats.org/officeDocument/2006/math">
+                    <m:r>
+                      <a:rPr lang="en-IN" sz="2000" b="0" i="1" smtClean="0">
+                        <a:latin typeface="Cambria Math" panose="02040503050406030204" pitchFamily="18" charset="0"/>
+                      </a:rPr>
+                      <m:t>𝑞</m:t>
+                    </m:r>
+                  </m:oMath>
+                </a14:m>
+                <a:r>
+                  <a:rPr lang="en-IN" sz="2000" dirty="0"/>
+                  <a:t> is actually 2.</a:t>
+                </a:r>
+              </a:p>
+              <a:p>
+                <a:endParaRPr lang="en-IN" dirty="0"/>
+              </a:p>
+              <a:p>
+                <a:endParaRPr lang="en-US" sz="2400" dirty="0"/>
+              </a:p>
+              <a:p>
+                <a:endParaRPr lang="en-US" sz="2400" dirty="0"/>
+              </a:p>
+              <a:p>
+                <a:pPr marL="0" indent="0">
+                  <a:buNone/>
+                </a:pPr>
+                <a:endParaRPr lang="en-US" sz="2400" dirty="0"/>
+              </a:p>
+              <a:p>
+                <a:endParaRPr lang="en-US" sz="2400" dirty="0"/>
+              </a:p>
+            </p:txBody>
+          </p:sp>
+        </mc:Choice>
+        <mc:Fallback>
+          <p:sp>
+            <p:nvSpPr>
+              <p:cNvPr id="3" name="Content Placeholder 2">
+                <a:extLst>
+                  <a:ext uri="{FF2B5EF4-FFF2-40B4-BE49-F238E27FC236}">
+                    <a16:creationId xmlns:a16="http://schemas.microsoft.com/office/drawing/2014/main" id="{FBF03DB8-E6B9-0826-69D2-D2561584A5CF}"/>
+                  </a:ext>
+                </a:extLst>
+              </p:cNvPr>
+              <p:cNvSpPr>
+                <a:spLocks noGrp="1" noRot="1" noChangeAspect="1" noMove="1" noResize="1" noEditPoints="1" noAdjustHandles="1" noChangeArrowheads="1" noChangeShapeType="1" noTextEdit="1"/>
+              </p:cNvSpPr>
+              <p:nvPr>
+                <p:ph idx="1"/>
+              </p:nvPr>
+            </p:nvSpPr>
+            <p:spPr>
+              <a:xfrm>
+                <a:off x="838200" y="1690688"/>
+                <a:ext cx="4720389" cy="4486275"/>
+              </a:xfrm>
+              <a:blipFill>
+                <a:blip r:embed="rId2"/>
+                <a:stretch>
+                  <a:fillRect l="-1163" t="-1223" r="-904"/>
+                </a:stretch>
+              </a:blipFill>
+            </p:spPr>
+            <p:txBody>
+              <a:bodyPr/>
+              <a:lstStyle/>
+              <a:p>
+                <a:r>
+                  <a:rPr lang="en-IN">
+                    <a:noFill/>
+                  </a:rPr>
+                  <a:t> </a:t>
+                </a:r>
+              </a:p>
+            </p:txBody>
+          </p:sp>
+        </mc:Fallback>
+      </mc:AlternateContent>
+      <p:sp>
+        <p:nvSpPr>
+          <p:cNvPr id="6" name="Rectangle 3">
+            <a:extLst>
+              <a:ext uri="{FF2B5EF4-FFF2-40B4-BE49-F238E27FC236}">
+                <a16:creationId xmlns:a16="http://schemas.microsoft.com/office/drawing/2014/main" id="{E5B270C1-1276-D6EE-9D8A-2A18461487E0}"/>
               </a:ext>
             </a:extLst>
           </p:cNvPr>
           <p:cNvSpPr>
-            <a:spLocks noGrp="1"/>
+            <a:spLocks noChangeArrowheads="1"/>
           </p:cNvSpPr>
-          <p:nvPr>
-            <p:ph idx="1"/>
-          </p:nvPr>
-        </p:nvSpPr>
-        <p:spPr/>
-        <p:txBody>
-          <a:bodyPr/>
+          <p:nvPr/>
+        </p:nvSpPr>
+        <p:spPr bwMode="auto">
+          <a:xfrm>
+            <a:off x="0" y="-323165"/>
+            <a:ext cx="264816" cy="646331"/>
+          </a:xfrm>
+          <a:prstGeom prst="rect">
+            <a:avLst/>
+          </a:prstGeom>
+          <a:noFill/>
+          <a:ln>
+            <a:noFill/>
+          </a:ln>
+          <a:effectLst/>
+          <a:extLst>
+            <a:ext uri="{909E8E84-426E-40DD-AFC4-6F175D3DCCD1}">
+              <a14:hiddenFill xmlns:a14="http://schemas.microsoft.com/office/drawing/2010/main">
+                <a:solidFill>
+                  <a:schemeClr val="accent1"/>
+                </a:solidFill>
+              </a14:hiddenFill>
+            </a:ext>
+            <a:ext uri="{91240B29-F687-4F45-9708-019B960494DF}">
+              <a14:hiddenLine xmlns:a14="http://schemas.microsoft.com/office/drawing/2010/main" w="9525">
+                <a:solidFill>
+                  <a:schemeClr val="tx1"/>
+                </a:solidFill>
+                <a:miter lim="800000"/>
+                <a:headEnd/>
+                <a:tailEnd/>
+              </a14:hiddenLine>
+            </a:ext>
+            <a:ext uri="{AF507438-7753-43E0-B8FC-AC1667EBCBE1}">
+              <a14:hiddenEffects xmlns:a14="http://schemas.microsoft.com/office/drawing/2010/main">
+                <a:effectLst>
+                  <a:outerShdw dist="35921" dir="2700000" algn="ctr" rotWithShape="0">
+                    <a:schemeClr val="bg2"/>
+                  </a:outerShdw>
+                </a:effectLst>
+              </a14:hiddenEffects>
+            </a:ext>
+          </a:extLst>
+        </p:spPr>
+        <p:txBody>
+          <a:bodyPr vert="horz" wrap="none" lIns="91440" tIns="45720" rIns="91440" bIns="45720" numCol="1" anchor="ctr" anchorCtr="0" compatLnSpc="1">
+            <a:prstTxWarp prst="textNoShape">
+              <a:avLst/>
+            </a:prstTxWarp>
+            <a:spAutoFit/>
+          </a:bodyPr>
           <a:lstStyle/>
           <a:p>
-            <a:endParaRPr lang="en-IN"/>
-          </a:p>
-        </p:txBody>
-      </p:sp>
+            <a:pPr marL="0" marR="0" lvl="0" indent="0" algn="l" defTabSz="914400" rtl="0" eaLnBrk="0" fontAlgn="base" latinLnBrk="0" hangingPunct="0">
+              <a:lnSpc>
+                <a:spcPct val="100000"/>
+              </a:lnSpc>
+              <a:spcBef>
+                <a:spcPct val="0"/>
+              </a:spcBef>
+              <a:spcAft>
+                <a:spcPct val="0"/>
+              </a:spcAft>
+              <a:buClrTx/>
+              <a:buSzTx/>
+              <a:tabLst/>
+            </a:pPr>
+            <a:endParaRPr kumimoji="0" lang="en-US" altLang="en-US" sz="1800" b="0" i="0" u="none" strike="noStrike" cap="none" normalizeH="0" baseline="0" dirty="0">
+              <a:ln>
+                <a:noFill/>
+              </a:ln>
+              <a:solidFill>
+                <a:schemeClr val="tx1"/>
+              </a:solidFill>
+              <a:effectLst/>
+              <a:latin typeface="Arial" panose="020B0604020202020204" pitchFamily="34" charset="0"/>
+            </a:endParaRPr>
+          </a:p>
+          <a:p>
+            <a:pPr marL="0" marR="0" lvl="0" indent="0" algn="l" defTabSz="914400" rtl="0" eaLnBrk="0" fontAlgn="base" latinLnBrk="0" hangingPunct="0">
+              <a:lnSpc>
+                <a:spcPct val="100000"/>
+              </a:lnSpc>
+              <a:spcBef>
+                <a:spcPct val="0"/>
+              </a:spcBef>
+              <a:spcAft>
+                <a:spcPct val="0"/>
+              </a:spcAft>
+              <a:buClrTx/>
+              <a:buSzTx/>
+              <a:buFontTx/>
+              <a:buChar char="•"/>
+              <a:tabLst/>
+            </a:pPr>
+            <a:endParaRPr kumimoji="0" lang="en-US" altLang="en-US" sz="1800" b="0" i="0" u="none" strike="noStrike" cap="none" normalizeH="0" baseline="0" dirty="0">
+              <a:ln>
+                <a:noFill/>
+              </a:ln>
+              <a:solidFill>
+                <a:schemeClr val="tx1"/>
+              </a:solidFill>
+              <a:effectLst/>
+              <a:latin typeface="Arial" panose="020B0604020202020204" pitchFamily="34" charset="0"/>
+            </a:endParaRPr>
+          </a:p>
+        </p:txBody>
+      </p:sp>
+      <p:pic>
+        <p:nvPicPr>
+          <p:cNvPr id="12" name="Picture 11" descr="A screenshot of a computer&#10;&#10;AI-generated content may be incorrect.">
+            <a:extLst>
+              <a:ext uri="{FF2B5EF4-FFF2-40B4-BE49-F238E27FC236}">
+                <a16:creationId xmlns:a16="http://schemas.microsoft.com/office/drawing/2014/main" id="{4E868152-65B9-84EC-E5FD-6E1894CF9B29}"/>
+              </a:ext>
+            </a:extLst>
+          </p:cNvPr>
+          <p:cNvPicPr>
+            <a:picLocks noChangeAspect="1"/>
+          </p:cNvPicPr>
+          <p:nvPr/>
+        </p:nvPicPr>
+        <p:blipFill>
+          <a:blip r:embed="rId3">
+            <a:extLst>
+              <a:ext uri="{28A0092B-C50C-407E-A947-70E740481C1C}">
+                <a14:useLocalDpi xmlns:a14="http://schemas.microsoft.com/office/drawing/2010/main" val="0"/>
+              </a:ext>
+            </a:extLst>
+          </a:blip>
+          <a:stretch>
+            <a:fillRect/>
+          </a:stretch>
+        </p:blipFill>
+        <p:spPr>
+          <a:xfrm>
+            <a:off x="5799221" y="1862390"/>
+            <a:ext cx="6080255" cy="3972926"/>
+          </a:xfrm>
+          <a:prstGeom prst="rect">
+            <a:avLst/>
+          </a:prstGeom>
+        </p:spPr>
+      </p:pic>
     </p:spTree>
     <p:extLst>
       <p:ext uri="{BB962C8B-B14F-4D97-AF65-F5344CB8AC3E}">
-        <p14:creationId xmlns:p14="http://schemas.microsoft.com/office/powerpoint/2010/main" val="2017279578"/>
+        <p14:creationId xmlns:p14="http://schemas.microsoft.com/office/powerpoint/2010/main" val="840810822"/>
       </p:ext>
     </p:extLst>
   </p:cSld>
@@ -6077,7 +6928,7 @@
           <p:cNvPr id="2" name="Title 1">
             <a:extLst>
               <a:ext uri="{FF2B5EF4-FFF2-40B4-BE49-F238E27FC236}">
-                <a16:creationId xmlns:a16="http://schemas.microsoft.com/office/drawing/2014/main" id="{761EBA9F-8791-41F0-CD4A-7200866DD86B}"/>
+                <a16:creationId xmlns:a16="http://schemas.microsoft.com/office/drawing/2014/main" id="{9EBA7052-ACD6-418E-5DAD-8A7FE770D921}"/>
               </a:ext>
             </a:extLst>
           </p:cNvPr>
@@ -6095,10 +6946,10 @@
           <a:p>
             <a:pPr algn="ctr"/>
             <a:r>
-              <a:rPr lang="en-US" b="1"/>
-              <a:t>Limitations</a:t>
-            </a:r>
-            <a:endParaRPr lang="en-IN" b="1"/>
+              <a:rPr lang="en-US"/>
+              <a:t>Conclusions</a:t>
+            </a:r>
+            <a:endParaRPr lang="en-IN"/>
           </a:p>
         </p:txBody>
       </p:sp>
@@ -6107,7 +6958,7 @@
           <p:cNvPr id="3" name="Content Placeholder 2">
             <a:extLst>
               <a:ext uri="{FF2B5EF4-FFF2-40B4-BE49-F238E27FC236}">
-                <a16:creationId xmlns:a16="http://schemas.microsoft.com/office/drawing/2014/main" id="{CA42E218-D096-238F-7C9F-91F97AB0DD43}"/>
+                <a16:creationId xmlns:a16="http://schemas.microsoft.com/office/drawing/2014/main" id="{0E513457-E9E5-1B74-DBE5-92AEE5AF9898}"/>
               </a:ext>
             </a:extLst>
           </p:cNvPr>
@@ -6130,7 +6981,7 @@
     </p:spTree>
     <p:extLst>
       <p:ext uri="{BB962C8B-B14F-4D97-AF65-F5344CB8AC3E}">
-        <p14:creationId xmlns:p14="http://schemas.microsoft.com/office/powerpoint/2010/main" val="3046839945"/>
+        <p14:creationId xmlns:p14="http://schemas.microsoft.com/office/powerpoint/2010/main" val="2017279578"/>
       </p:ext>
     </p:extLst>
   </p:cSld>
@@ -6431,6 +7282,91 @@
           <p:cNvPr id="2" name="Title 1">
             <a:extLst>
               <a:ext uri="{FF2B5EF4-FFF2-40B4-BE49-F238E27FC236}">
+                <a16:creationId xmlns:a16="http://schemas.microsoft.com/office/drawing/2014/main" id="{761EBA9F-8791-41F0-CD4A-7200866DD86B}"/>
+              </a:ext>
+            </a:extLst>
+          </p:cNvPr>
+          <p:cNvSpPr>
+            <a:spLocks noGrp="1"/>
+          </p:cNvSpPr>
+          <p:nvPr>
+            <p:ph type="title"/>
+          </p:nvPr>
+        </p:nvSpPr>
+        <p:spPr/>
+        <p:txBody>
+          <a:bodyPr/>
+          <a:lstStyle/>
+          <a:p>
+            <a:pPr algn="ctr"/>
+            <a:r>
+              <a:rPr lang="en-US" b="1"/>
+              <a:t>Limitations</a:t>
+            </a:r>
+            <a:endParaRPr lang="en-IN" b="1"/>
+          </a:p>
+        </p:txBody>
+      </p:sp>
+      <p:sp>
+        <p:nvSpPr>
+          <p:cNvPr id="3" name="Content Placeholder 2">
+            <a:extLst>
+              <a:ext uri="{FF2B5EF4-FFF2-40B4-BE49-F238E27FC236}">
+                <a16:creationId xmlns:a16="http://schemas.microsoft.com/office/drawing/2014/main" id="{CA42E218-D096-238F-7C9F-91F97AB0DD43}"/>
+              </a:ext>
+            </a:extLst>
+          </p:cNvPr>
+          <p:cNvSpPr>
+            <a:spLocks noGrp="1"/>
+          </p:cNvSpPr>
+          <p:nvPr>
+            <p:ph idx="1"/>
+          </p:nvPr>
+        </p:nvSpPr>
+        <p:spPr/>
+        <p:txBody>
+          <a:bodyPr/>
+          <a:lstStyle/>
+          <a:p>
+            <a:endParaRPr lang="en-IN"/>
+          </a:p>
+        </p:txBody>
+      </p:sp>
+    </p:spTree>
+    <p:extLst>
+      <p:ext uri="{BB962C8B-B14F-4D97-AF65-F5344CB8AC3E}">
+        <p14:creationId xmlns:p14="http://schemas.microsoft.com/office/powerpoint/2010/main" val="3046839945"/>
+      </p:ext>
+    </p:extLst>
+  </p:cSld>
+  <p:clrMapOvr>
+    <a:masterClrMapping/>
+  </p:clrMapOvr>
+</p:sld>
+</file>
+
+<file path=ppt/slides/slide21.xml><?xml version="1.0" encoding="utf-8"?>
+<p:sld xmlns:a="http://schemas.openxmlformats.org/drawingml/2006/main" xmlns:r="http://schemas.openxmlformats.org/officeDocument/2006/relationships" xmlns:p="http://schemas.openxmlformats.org/presentationml/2006/main">
+  <p:cSld>
+    <p:spTree>
+      <p:nvGrpSpPr>
+        <p:cNvPr id="1" name=""/>
+        <p:cNvGrpSpPr/>
+        <p:nvPr/>
+      </p:nvGrpSpPr>
+      <p:grpSpPr>
+        <a:xfrm>
+          <a:off x="0" y="0"/>
+          <a:ext cx="0" cy="0"/>
+          <a:chOff x="0" y="0"/>
+          <a:chExt cx="0" cy="0"/>
+        </a:xfrm>
+      </p:grpSpPr>
+      <p:sp>
+        <p:nvSpPr>
+          <p:cNvPr id="2" name="Title 1">
+            <a:extLst>
+              <a:ext uri="{FF2B5EF4-FFF2-40B4-BE49-F238E27FC236}">
                 <a16:creationId xmlns:a16="http://schemas.microsoft.com/office/drawing/2014/main" id="{F434FE73-35F2-F0B6-F227-A2F723F92893}"/>
               </a:ext>
             </a:extLst>
@@ -6504,7 +7440,7 @@
 </p:sld>
 </file>
 
-<file path=ppt/slides/slide21.xml><?xml version="1.0" encoding="utf-8"?>
+<file path=ppt/slides/slide22.xml><?xml version="1.0" encoding="utf-8"?>
 <p:sld xmlns:a="http://schemas.openxmlformats.org/drawingml/2006/main" xmlns:r="http://schemas.openxmlformats.org/officeDocument/2006/relationships" xmlns:p="http://schemas.openxmlformats.org/presentationml/2006/main">
   <p:cSld>
     <p:spTree>
@@ -8185,6 +9121,9 @@
                 </a:r>
               </a:p>
               <a:p>
+                <a:pPr marL="0" indent="0">
+                  <a:buNone/>
+                </a:pPr>
                 <a:endParaRPr lang="en-IN" sz="2000" b="0" dirty="0"/>
               </a:p>
               <a:p>
